--- a/Rock-paper-scissors Presentation- Marissa McIlhany.pptx
+++ b/Rock-paper-scissors Presentation- Marissa McIlhany.pptx
@@ -3701,53 +3701,6 @@
       </p:sp>
       <p:pic>
         <p:nvPicPr>
-          <p:cNvPr id="1026" name="Picture 2" descr="Rock Paper and Scissor Game Using Tkinter - GeeksforGeeks">
-            <a:extLst>
-              <a:ext uri="{FF2B5EF4-FFF2-40B4-BE49-F238E27FC236}">
-                <a16:creationId xmlns:a16="http://schemas.microsoft.com/office/drawing/2014/main" id="{61FD01DB-0AA7-880D-5636-C5F6F8591B10}"/>
-              </a:ext>
-            </a:extLst>
-          </p:cNvPr>
-          <p:cNvPicPr>
-            <a:picLocks noChangeAspect="1" noChangeArrowheads="1"/>
-          </p:cNvPicPr>
-          <p:nvPr/>
-        </p:nvPicPr>
-        <p:blipFill>
-          <a:blip r:embed="rId3">
-            <a:extLst>
-              <a:ext uri="{28A0092B-C50C-407E-A947-70E740481C1C}">
-                <a14:useLocalDpi xmlns:a14="http://schemas.microsoft.com/office/drawing/2010/main" val="0"/>
-              </a:ext>
-            </a:extLst>
-          </a:blip>
-          <a:srcRect/>
-          <a:stretch>
-            <a:fillRect/>
-          </a:stretch>
-        </p:blipFill>
-        <p:spPr bwMode="auto">
-          <a:xfrm>
-            <a:off x="9413455" y="0"/>
-            <a:ext cx="2720582" cy="2990838"/>
-          </a:xfrm>
-          <a:prstGeom prst="rect">
-            <a:avLst/>
-          </a:prstGeom>
-          <a:noFill/>
-          <a:extLst>
-            <a:ext uri="{909E8E84-426E-40DD-AFC4-6F175D3DCCD1}">
-              <a14:hiddenFill xmlns:a14="http://schemas.microsoft.com/office/drawing/2010/main">
-                <a:solidFill>
-                  <a:srgbClr val="FFFFFF"/>
-                </a:solidFill>
-              </a14:hiddenFill>
-            </a:ext>
-          </a:extLst>
-        </p:spPr>
-      </p:pic>
-      <p:pic>
-        <p:nvPicPr>
           <p:cNvPr id="6" name="Picture 5" descr="A screen shot of a computer program&#10;&#10;Description automatically generated">
             <a:extLst>
               <a:ext uri="{FF2B5EF4-FFF2-40B4-BE49-F238E27FC236}">
@@ -3761,7 +3714,7 @@
           <p:nvPr/>
         </p:nvPicPr>
         <p:blipFill>
-          <a:blip r:embed="rId4"/>
+          <a:blip r:embed="rId3"/>
           <a:stretch>
             <a:fillRect/>
           </a:stretch>
